--- a/src/DocuChef.TestConsoleApp/files/ppt/template_2.pptx
+++ b/src/DocuChef.TestConsoleApp/files/ppt/template_2.pptx
@@ -198,7 +198,7 @@
           <a:p>
             <a:fld id="{67FA9472-1DC2-476D-847D-AEF869A08B54}" type="datetimeFigureOut">
               <a:rPr lang="ko-KR" altLang="en-US" smtClean="0"/>
-              <a:t>2025-05-09</a:t>
+              <a:t>2025-05-10</a:t>
             </a:fld>
             <a:endParaRPr lang="ko-KR" altLang="en-US"/>
           </a:p>
@@ -593,10 +593,6 @@
           <a:bodyPr/>
           <a:lstStyle/>
           <a:p>
-            <a:r>
-              <a:rPr lang="en-US" altLang="ko-KR"/>
-              <a:t>#foreach: Items as item</a:t>
-            </a:r>
             <a:endParaRPr lang="ko-KR" altLang="en-US"/>
           </a:p>
         </p:txBody>
@@ -784,7 +780,7 @@
           <a:p>
             <a:fld id="{1BA27EB7-94DC-414F-A9E6-532764B50347}" type="datetimeFigureOut">
               <a:rPr lang="ko-KR" altLang="en-US" smtClean="0"/>
-              <a:t>2025-05-09</a:t>
+              <a:t>2025-05-10</a:t>
             </a:fld>
             <a:endParaRPr lang="ko-KR" altLang="en-US"/>
           </a:p>
@@ -982,7 +978,7 @@
           <a:p>
             <a:fld id="{1BA27EB7-94DC-414F-A9E6-532764B50347}" type="datetimeFigureOut">
               <a:rPr lang="ko-KR" altLang="en-US" smtClean="0"/>
-              <a:t>2025-05-09</a:t>
+              <a:t>2025-05-10</a:t>
             </a:fld>
             <a:endParaRPr lang="ko-KR" altLang="en-US"/>
           </a:p>
@@ -1190,7 +1186,7 @@
           <a:p>
             <a:fld id="{1BA27EB7-94DC-414F-A9E6-532764B50347}" type="datetimeFigureOut">
               <a:rPr lang="ko-KR" altLang="en-US" smtClean="0"/>
-              <a:t>2025-05-09</a:t>
+              <a:t>2025-05-10</a:t>
             </a:fld>
             <a:endParaRPr lang="ko-KR" altLang="en-US"/>
           </a:p>
@@ -1388,7 +1384,7 @@
           <a:p>
             <a:fld id="{1BA27EB7-94DC-414F-A9E6-532764B50347}" type="datetimeFigureOut">
               <a:rPr lang="ko-KR" altLang="en-US" smtClean="0"/>
-              <a:t>2025-05-09</a:t>
+              <a:t>2025-05-10</a:t>
             </a:fld>
             <a:endParaRPr lang="ko-KR" altLang="en-US"/>
           </a:p>
@@ -1663,7 +1659,7 @@
           <a:p>
             <a:fld id="{1BA27EB7-94DC-414F-A9E6-532764B50347}" type="datetimeFigureOut">
               <a:rPr lang="ko-KR" altLang="en-US" smtClean="0"/>
-              <a:t>2025-05-09</a:t>
+              <a:t>2025-05-10</a:t>
             </a:fld>
             <a:endParaRPr lang="ko-KR" altLang="en-US"/>
           </a:p>
@@ -1928,7 +1924,7 @@
           <a:p>
             <a:fld id="{1BA27EB7-94DC-414F-A9E6-532764B50347}" type="datetimeFigureOut">
               <a:rPr lang="ko-KR" altLang="en-US" smtClean="0"/>
-              <a:t>2025-05-09</a:t>
+              <a:t>2025-05-10</a:t>
             </a:fld>
             <a:endParaRPr lang="ko-KR" altLang="en-US"/>
           </a:p>
@@ -2340,7 +2336,7 @@
           <a:p>
             <a:fld id="{1BA27EB7-94DC-414F-A9E6-532764B50347}" type="datetimeFigureOut">
               <a:rPr lang="ko-KR" altLang="en-US" smtClean="0"/>
-              <a:t>2025-05-09</a:t>
+              <a:t>2025-05-10</a:t>
             </a:fld>
             <a:endParaRPr lang="ko-KR" altLang="en-US"/>
           </a:p>
@@ -2481,7 +2477,7 @@
           <a:p>
             <a:fld id="{1BA27EB7-94DC-414F-A9E6-532764B50347}" type="datetimeFigureOut">
               <a:rPr lang="ko-KR" altLang="en-US" smtClean="0"/>
-              <a:t>2025-05-09</a:t>
+              <a:t>2025-05-10</a:t>
             </a:fld>
             <a:endParaRPr lang="ko-KR" altLang="en-US"/>
           </a:p>
@@ -2594,7 +2590,7 @@
           <a:p>
             <a:fld id="{1BA27EB7-94DC-414F-A9E6-532764B50347}" type="datetimeFigureOut">
               <a:rPr lang="ko-KR" altLang="en-US" smtClean="0"/>
-              <a:t>2025-05-09</a:t>
+              <a:t>2025-05-10</a:t>
             </a:fld>
             <a:endParaRPr lang="ko-KR" altLang="en-US"/>
           </a:p>
@@ -2905,7 +2901,7 @@
           <a:p>
             <a:fld id="{1BA27EB7-94DC-414F-A9E6-532764B50347}" type="datetimeFigureOut">
               <a:rPr lang="ko-KR" altLang="en-US" smtClean="0"/>
-              <a:t>2025-05-09</a:t>
+              <a:t>2025-05-10</a:t>
             </a:fld>
             <a:endParaRPr lang="ko-KR" altLang="en-US"/>
           </a:p>
@@ -3193,7 +3189,7 @@
           <a:p>
             <a:fld id="{1BA27EB7-94DC-414F-A9E6-532764B50347}" type="datetimeFigureOut">
               <a:rPr lang="ko-KR" altLang="en-US" smtClean="0"/>
-              <a:t>2025-05-09</a:t>
+              <a:t>2025-05-10</a:t>
             </a:fld>
             <a:endParaRPr lang="ko-KR" altLang="en-US"/>
           </a:p>
@@ -3434,7 +3430,7 @@
           <a:p>
             <a:fld id="{1BA27EB7-94DC-414F-A9E6-532764B50347}" type="datetimeFigureOut">
               <a:rPr lang="ko-KR" altLang="en-US" smtClean="0"/>
-              <a:t>2025-05-09</a:t>
+              <a:t>2025-05-10</a:t>
             </a:fld>
             <a:endParaRPr lang="ko-KR" altLang="en-US"/>
           </a:p>
@@ -3906,7 +3902,7 @@
         <p:spPr>
           <a:xfrm>
             <a:off x="1524000" y="3584785"/>
-            <a:ext cx="9144000" cy="1655762"/>
+            <a:ext cx="9144000" cy="604966"/>
           </a:xfrm>
         </p:spPr>
         <p:txBody>
@@ -3914,10 +3910,26 @@
           <a:lstStyle/>
           <a:p>
             <a:r>
+              <a:rPr lang="en-US" altLang="ko-KR" b="1"/>
+              <a:t>BOLD</a:t>
+            </a:r>
+            <a:r>
               <a:rPr lang="en-US" altLang="ko-KR"/>
-              <a:t>hello ${Subtitle} world</a:t>
-            </a:r>
-            <a:endParaRPr lang="ko-KR" altLang="en-US"/>
+              <a:t> </a:t>
+            </a:r>
+            <a:r>
+              <a:rPr lang="en-US" altLang="ko-KR" sz="1600"/>
+              <a:t>${Subtitle}</a:t>
+            </a:r>
+            <a:r>
+              <a:rPr lang="en-US" altLang="ko-KR"/>
+              <a:t> </a:t>
+            </a:r>
+            <a:r>
+              <a:rPr lang="en-US" altLang="ko-KR" i="1"/>
+              <a:t>Italic</a:t>
+            </a:r>
+            <a:endParaRPr lang="ko-KR" altLang="en-US" i="1"/>
           </a:p>
         </p:txBody>
       </p:sp>
@@ -3951,8 +3963,12 @@
           <a:p>
             <a:pPr algn="r"/>
             <a:r>
+              <a:rPr lang="en-US" altLang="ko-KR" i="1"/>
+              <a:t>Created By: </a:t>
+            </a:r>
+            <a:r>
               <a:rPr lang="en-US" altLang="ko-KR" b="1" i="1"/>
-              <a:t>Created By: ${Date:yyyy-MM-dd}</a:t>
+              <a:t>${Date:yyyy-MM-dd}</a:t>
             </a:r>
             <a:endParaRPr lang="ko-KR" altLang="en-US" b="1" i="1"/>
           </a:p>
@@ -4127,7 +4143,7 @@
           <a:p>
             <a:r>
               <a:rPr lang="en-US" altLang="ko-KR" b="1"/>
-              <a:t>${item[0].Id}. ${item[0].Name} </a:t>
+              <a:t>${Items[0].Id}. ${Items[0].Name} </a:t>
             </a:r>
             <a:r>
               <a:rPr lang="en-US" altLang="ko-KR"/>
@@ -4135,7 +4151,7 @@
             </a:r>
             <a:r>
               <a:rPr lang="en-US" altLang="ko-KR" i="1"/>
-              <a:t>${item[0].Description}</a:t>
+              <a:t>${Items[0].Description}</a:t>
             </a:r>
           </a:p>
           <a:p>
@@ -4145,7 +4161,7 @@
             </a:r>
             <a:r>
               <a:rPr lang="en-US" altLang="ko-KR" sz="1600"/>
-              <a:t>: ${item[0].Price:C0}</a:t>
+              <a:t>: ${Items[0].Price:C0}</a:t>
             </a:r>
             <a:r>
               <a:rPr lang="ko-KR" altLang="en-US" sz="1600"/>
@@ -4206,10 +4222,10 @@
       </p:sp>
       <p:sp>
         <p:nvSpPr>
-          <p:cNvPr id="8" name="직사각형 7">
-            <a:extLst>
-              <a:ext uri="{FF2B5EF4-FFF2-40B4-BE49-F238E27FC236}">
-                <a16:creationId xmlns:a16="http://schemas.microsoft.com/office/drawing/2014/main" id="{FF85051F-FBA2-147D-8FFA-6C55B4C4ADE7}"/>
+          <p:cNvPr id="3" name="직사각형 2">
+            <a:extLst>
+              <a:ext uri="{FF2B5EF4-FFF2-40B4-BE49-F238E27FC236}">
+                <a16:creationId xmlns:a16="http://schemas.microsoft.com/office/drawing/2014/main" id="{8543125B-3E0A-BEAC-8E7E-8BE03823931D}"/>
               </a:ext>
             </a:extLst>
           </p:cNvPr>
@@ -4218,7 +4234,7 @@
         </p:nvSpPr>
         <p:spPr>
           <a:xfrm>
-            <a:off x="1630475" y="2344460"/>
+            <a:off x="1630475" y="2536346"/>
             <a:ext cx="10256724" cy="725441"/>
           </a:xfrm>
           <a:prstGeom prst="rect">
@@ -4245,23 +4261,7 @@
           <a:p>
             <a:r>
               <a:rPr lang="en-US" altLang="ko-KR" b="1"/>
-              <a:t>${item</a:t>
-            </a:r>
-            <a:r>
-              <a:rPr lang="en-US" altLang="ko-KR" sz="1800" b="1"/>
-              <a:t>[1]</a:t>
-            </a:r>
-            <a:r>
-              <a:rPr lang="en-US" altLang="ko-KR" b="1"/>
-              <a:t>.Id}. ${item</a:t>
-            </a:r>
-            <a:r>
-              <a:rPr lang="en-US" altLang="ko-KR" sz="1800" b="1"/>
-              <a:t>[1]</a:t>
-            </a:r>
-            <a:r>
-              <a:rPr lang="en-US" altLang="ko-KR" b="1"/>
-              <a:t>.Name} </a:t>
+              <a:t>${Items[1].Id}. ${Items[1].Name} </a:t>
             </a:r>
             <a:r>
               <a:rPr lang="en-US" altLang="ko-KR"/>
@@ -4269,15 +4269,7 @@
             </a:r>
             <a:r>
               <a:rPr lang="en-US" altLang="ko-KR" i="1"/>
-              <a:t>${item</a:t>
-            </a:r>
-            <a:r>
-              <a:rPr lang="en-US" altLang="ko-KR" sz="1800" i="1"/>
-              <a:t>[1]</a:t>
-            </a:r>
-            <a:r>
-              <a:rPr lang="en-US" altLang="ko-KR" i="1"/>
-              <a:t>.Description}</a:t>
+              <a:t>${Items[1].Description}</a:t>
             </a:r>
           </a:p>
           <a:p>
@@ -4287,7 +4279,7 @@
             </a:r>
             <a:r>
               <a:rPr lang="en-US" altLang="ko-KR" sz="1600"/>
-              <a:t>: ${item[1].Price:C0}</a:t>
+              <a:t>: ${Items[1].Price:C0}</a:t>
             </a:r>
             <a:r>
               <a:rPr lang="ko-KR" altLang="en-US" sz="1600"/>
@@ -4298,10 +4290,10 @@
       </p:sp>
       <p:sp>
         <p:nvSpPr>
-          <p:cNvPr id="10" name="직사각형 9">
-            <a:extLst>
-              <a:ext uri="{FF2B5EF4-FFF2-40B4-BE49-F238E27FC236}">
-                <a16:creationId xmlns:a16="http://schemas.microsoft.com/office/drawing/2014/main" id="{B39120B4-1207-3973-74EC-CA9B4ECD6C17}"/>
+          <p:cNvPr id="4" name="직사각형 3">
+            <a:extLst>
+              <a:ext uri="{FF2B5EF4-FFF2-40B4-BE49-F238E27FC236}">
+                <a16:creationId xmlns:a16="http://schemas.microsoft.com/office/drawing/2014/main" id="{F4AE4A2E-CFF6-3ECC-611D-B4FED2AE9CDF}"/>
               </a:ext>
             </a:extLst>
           </p:cNvPr>
@@ -4310,7 +4302,7 @@
         </p:nvSpPr>
         <p:spPr>
           <a:xfrm>
-            <a:off x="1630475" y="3217500"/>
+            <a:off x="1630475" y="3601272"/>
             <a:ext cx="10256724" cy="725441"/>
           </a:xfrm>
           <a:prstGeom prst="rect">
@@ -4337,39 +4329,15 @@
           <a:p>
             <a:r>
               <a:rPr lang="en-US" altLang="ko-KR" b="1"/>
-              <a:t>${item</a:t>
-            </a:r>
-            <a:r>
-              <a:rPr lang="en-US" altLang="ko-KR" sz="1800" b="1"/>
-              <a:t>[2]</a:t>
-            </a:r>
-            <a:r>
-              <a:rPr lang="en-US" altLang="ko-KR" b="1"/>
-              <a:t>.Id}. ${item</a:t>
-            </a:r>
-            <a:r>
-              <a:rPr lang="en-US" altLang="ko-KR" sz="1800" b="1"/>
-              <a:t>[2]</a:t>
-            </a:r>
-            <a:r>
-              <a:rPr lang="en-US" altLang="ko-KR" b="1"/>
-              <a:t>.Name}</a:t>
+              <a:t>${Items[2].Id}. ${Items[2].Name} </a:t>
             </a:r>
             <a:r>
               <a:rPr lang="en-US" altLang="ko-KR"/>
-              <a:t> - </a:t>
+              <a:t>- </a:t>
             </a:r>
             <a:r>
               <a:rPr lang="en-US" altLang="ko-KR" i="1"/>
-              <a:t>${item</a:t>
-            </a:r>
-            <a:r>
-              <a:rPr lang="en-US" altLang="ko-KR" sz="1800" i="1"/>
-              <a:t>[2]</a:t>
-            </a:r>
-            <a:r>
-              <a:rPr lang="en-US" altLang="ko-KR" i="1"/>
-              <a:t>.Description}</a:t>
+              <a:t>${Items[2].Description}</a:t>
             </a:r>
           </a:p>
           <a:p>
@@ -4379,7 +4347,7 @@
             </a:r>
             <a:r>
               <a:rPr lang="en-US" altLang="ko-KR" sz="1600"/>
-              <a:t>: ${item[2].Price:C0}</a:t>
+              <a:t>: ${Items[2].Price:C0}</a:t>
             </a:r>
             <a:r>
               <a:rPr lang="ko-KR" altLang="en-US" sz="1600"/>
@@ -4390,10 +4358,10 @@
       </p:sp>
       <p:sp>
         <p:nvSpPr>
-          <p:cNvPr id="12" name="직사각형 11">
-            <a:extLst>
-              <a:ext uri="{FF2B5EF4-FFF2-40B4-BE49-F238E27FC236}">
-                <a16:creationId xmlns:a16="http://schemas.microsoft.com/office/drawing/2014/main" id="{C374CB2C-43E8-49E9-6685-02BA61F251D7}"/>
+          <p:cNvPr id="7" name="직사각형 6">
+            <a:extLst>
+              <a:ext uri="{FF2B5EF4-FFF2-40B4-BE49-F238E27FC236}">
+                <a16:creationId xmlns:a16="http://schemas.microsoft.com/office/drawing/2014/main" id="{5619FDB7-17CB-A3D5-66B0-47FE9F700941}"/>
               </a:ext>
             </a:extLst>
           </p:cNvPr>
@@ -4402,7 +4370,7 @@
         </p:nvSpPr>
         <p:spPr>
           <a:xfrm>
-            <a:off x="1630475" y="4090540"/>
+            <a:off x="1630475" y="4666198"/>
             <a:ext cx="10256724" cy="725441"/>
           </a:xfrm>
           <a:prstGeom prst="rect">
@@ -4429,23 +4397,7 @@
           <a:p>
             <a:r>
               <a:rPr lang="en-US" altLang="ko-KR" b="1"/>
-              <a:t>${item</a:t>
-            </a:r>
-            <a:r>
-              <a:rPr lang="en-US" altLang="ko-KR" sz="1800" b="1"/>
-              <a:t>[3]</a:t>
-            </a:r>
-            <a:r>
-              <a:rPr lang="en-US" altLang="ko-KR" b="1"/>
-              <a:t>.Id}. ${item</a:t>
-            </a:r>
-            <a:r>
-              <a:rPr lang="en-US" altLang="ko-KR" sz="1800" b="1"/>
-              <a:t>[3]</a:t>
-            </a:r>
-            <a:r>
-              <a:rPr lang="en-US" altLang="ko-KR" b="1"/>
-              <a:t>.Name} </a:t>
+              <a:t>${Items[3].Id}. ${Items[3].Name} </a:t>
             </a:r>
             <a:r>
               <a:rPr lang="en-US" altLang="ko-KR"/>
@@ -4453,15 +4405,7 @@
             </a:r>
             <a:r>
               <a:rPr lang="en-US" altLang="ko-KR" i="1"/>
-              <a:t>${item</a:t>
-            </a:r>
-            <a:r>
-              <a:rPr lang="en-US" altLang="ko-KR" sz="1800" i="1"/>
-              <a:t>[3]</a:t>
-            </a:r>
-            <a:r>
-              <a:rPr lang="en-US" altLang="ko-KR" i="1"/>
-              <a:t>.Description}</a:t>
+              <a:t>${Items[3].Description}</a:t>
             </a:r>
           </a:p>
           <a:p>
@@ -4471,7 +4415,7 @@
             </a:r>
             <a:r>
               <a:rPr lang="en-US" altLang="ko-KR" sz="1600"/>
-              <a:t>: ${item[3].Price:C0}</a:t>
+              <a:t>: ${Items[3].Price:C0}</a:t>
             </a:r>
             <a:r>
               <a:rPr lang="ko-KR" altLang="en-US" sz="1600"/>
@@ -4482,10 +4426,10 @@
       </p:sp>
       <p:sp>
         <p:nvSpPr>
-          <p:cNvPr id="14" name="직사각형 13">
-            <a:extLst>
-              <a:ext uri="{FF2B5EF4-FFF2-40B4-BE49-F238E27FC236}">
-                <a16:creationId xmlns:a16="http://schemas.microsoft.com/office/drawing/2014/main" id="{B9B174D5-F78D-5820-BA58-C422BEBD186F}"/>
+          <p:cNvPr id="9" name="직사각형 8">
+            <a:extLst>
+              <a:ext uri="{FF2B5EF4-FFF2-40B4-BE49-F238E27FC236}">
+                <a16:creationId xmlns:a16="http://schemas.microsoft.com/office/drawing/2014/main" id="{86E96232-595E-18C3-1828-0E3587F6509B}"/>
               </a:ext>
             </a:extLst>
           </p:cNvPr>
@@ -4494,7 +4438,7 @@
         </p:nvSpPr>
         <p:spPr>
           <a:xfrm>
-            <a:off x="1630475" y="4963580"/>
+            <a:off x="1630475" y="5731125"/>
             <a:ext cx="10256724" cy="725441"/>
           </a:xfrm>
           <a:prstGeom prst="rect">
@@ -4521,39 +4465,15 @@
           <a:p>
             <a:r>
               <a:rPr lang="en-US" altLang="ko-KR" b="1"/>
-              <a:t>${item</a:t>
-            </a:r>
-            <a:r>
-              <a:rPr lang="en-US" altLang="ko-KR" sz="1800" b="1"/>
-              <a:t>[4]</a:t>
-            </a:r>
-            <a:r>
-              <a:rPr lang="en-US" altLang="ko-KR" b="1"/>
-              <a:t>.Id}. ${item</a:t>
-            </a:r>
-            <a:r>
-              <a:rPr lang="en-US" altLang="ko-KR" sz="1800" b="1"/>
-              <a:t>[4]</a:t>
-            </a:r>
-            <a:r>
-              <a:rPr lang="en-US" altLang="ko-KR" b="1"/>
-              <a:t>.Name}</a:t>
+              <a:t>${Items[4].Id}. ${Items[4].Name} </a:t>
             </a:r>
             <a:r>
               <a:rPr lang="en-US" altLang="ko-KR"/>
-              <a:t> - </a:t>
+              <a:t>- </a:t>
             </a:r>
             <a:r>
               <a:rPr lang="en-US" altLang="ko-KR" i="1"/>
-              <a:t>${item</a:t>
-            </a:r>
-            <a:r>
-              <a:rPr lang="en-US" altLang="ko-KR" sz="1800" i="1"/>
-              <a:t>[4]</a:t>
-            </a:r>
-            <a:r>
-              <a:rPr lang="en-US" altLang="ko-KR" i="1"/>
-              <a:t>.Description}</a:t>
+              <a:t>${Items[4].Description}</a:t>
             </a:r>
           </a:p>
           <a:p>
@@ -4563,99 +4483,7 @@
             </a:r>
             <a:r>
               <a:rPr lang="en-US" altLang="ko-KR" sz="1600"/>
-              <a:t>: ${item[4].Price:C0}</a:t>
-            </a:r>
-            <a:r>
-              <a:rPr lang="ko-KR" altLang="en-US" sz="1600"/>
-              <a:t>원</a:t>
-            </a:r>
-          </a:p>
-        </p:txBody>
-      </p:sp>
-      <p:sp>
-        <p:nvSpPr>
-          <p:cNvPr id="16" name="직사각형 15">
-            <a:extLst>
-              <a:ext uri="{FF2B5EF4-FFF2-40B4-BE49-F238E27FC236}">
-                <a16:creationId xmlns:a16="http://schemas.microsoft.com/office/drawing/2014/main" id="{E742ADB5-9EFD-48CF-0788-011E076A3498}"/>
-              </a:ext>
-            </a:extLst>
-          </p:cNvPr>
-          <p:cNvSpPr/>
-          <p:nvPr/>
-        </p:nvSpPr>
-        <p:spPr>
-          <a:xfrm>
-            <a:off x="1630475" y="5836620"/>
-            <a:ext cx="10256724" cy="725441"/>
-          </a:xfrm>
-          <a:prstGeom prst="rect">
-            <a:avLst/>
-          </a:prstGeom>
-        </p:spPr>
-        <p:style>
-          <a:lnRef idx="2">
-            <a:schemeClr val="accent2"/>
-          </a:lnRef>
-          <a:fillRef idx="1">
-            <a:schemeClr val="lt1"/>
-          </a:fillRef>
-          <a:effectRef idx="0">
-            <a:schemeClr val="accent2"/>
-          </a:effectRef>
-          <a:fontRef idx="minor">
-            <a:schemeClr val="dk1"/>
-          </a:fontRef>
-        </p:style>
-        <p:txBody>
-          <a:bodyPr rtlCol="0" anchor="t"/>
-          <a:lstStyle/>
-          <a:p>
-            <a:r>
-              <a:rPr lang="en-US" altLang="ko-KR" b="1"/>
-              <a:t>${item</a:t>
-            </a:r>
-            <a:r>
-              <a:rPr lang="en-US" altLang="ko-KR" sz="1800" b="1"/>
-              <a:t>[5]</a:t>
-            </a:r>
-            <a:r>
-              <a:rPr lang="en-US" altLang="ko-KR" b="1"/>
-              <a:t>.Id}. ${item</a:t>
-            </a:r>
-            <a:r>
-              <a:rPr lang="en-US" altLang="ko-KR" sz="1800" b="1"/>
-              <a:t>[5]</a:t>
-            </a:r>
-            <a:r>
-              <a:rPr lang="en-US" altLang="ko-KR" b="1"/>
-              <a:t>.Name}</a:t>
-            </a:r>
-            <a:r>
-              <a:rPr lang="en-US" altLang="ko-KR"/>
-              <a:t> - </a:t>
-            </a:r>
-            <a:r>
-              <a:rPr lang="en-US" altLang="ko-KR" i="1"/>
-              <a:t>${item</a:t>
-            </a:r>
-            <a:r>
-              <a:rPr lang="en-US" altLang="ko-KR" sz="1800" i="1"/>
-              <a:t>[5]</a:t>
-            </a:r>
-            <a:r>
-              <a:rPr lang="en-US" altLang="ko-KR" i="1"/>
-              <a:t>.Description}</a:t>
-            </a:r>
-          </a:p>
-          <a:p>
-            <a:r>
-              <a:rPr lang="ko-KR" altLang="en-US" sz="1600"/>
-              <a:t>가격</a:t>
-            </a:r>
-            <a:r>
-              <a:rPr lang="en-US" altLang="ko-KR" sz="1600"/>
-              <a:t>: ${item[5].Price:C0}</a:t>
+              <a:t>: ${Items[4].Price:C0}</a:t>
             </a:r>
             <a:r>
               <a:rPr lang="ko-KR" altLang="en-US" sz="1600"/>

--- a/src/DocuChef.TestConsoleApp/files/ppt/template_2.pptx
+++ b/src/DocuChef.TestConsoleApp/files/ppt/template_2.pptx
@@ -4029,7 +4029,7 @@
             <a:pPr algn="ctr"/>
             <a:r>
               <a:rPr lang="en-US" altLang="ko-KR" sz="1100"/>
-              <a:t>${ppt.Image("LogoPath")}</a:t>
+              <a:t>${ppt.Image(LogoPath)}</a:t>
             </a:r>
             <a:endParaRPr lang="ko-KR" altLang="en-US" sz="1100"/>
           </a:p>
@@ -4184,8 +4184,8 @@
         </p:nvSpPr>
         <p:spPr>
           <a:xfrm>
-            <a:off x="330595" y="217323"/>
-            <a:ext cx="1213449" cy="954657"/>
+            <a:off x="330595" y="217324"/>
+            <a:ext cx="1093471" cy="951910"/>
           </a:xfrm>
           <a:prstGeom prst="rect">
             <a:avLst/>
@@ -4214,7 +4214,7 @@
             <a:pPr algn="ctr"/>
             <a:r>
               <a:rPr lang="en-US" altLang="ko-KR" sz="1200"/>
-              <a:t>${ppt.Image("LogoPath")}</a:t>
+              <a:t>${ppt.Image(LogoPath)}</a:t>
             </a:r>
             <a:endParaRPr lang="ko-KR" altLang="en-US" sz="1200"/>
           </a:p>

--- a/src/DocuChef.TestConsoleApp/files/ppt/template_2.pptx
+++ b/src/DocuChef.TestConsoleApp/files/ppt/template_2.pptx
@@ -4156,17 +4156,18 @@
           </a:p>
           <a:p>
             <a:r>
+              <a:rPr lang="en-US" altLang="ko-KR" sz="1600"/>
+              <a:t>Price: ${Items[0].Price:C0}</a:t>
+            </a:r>
+            <a:r>
               <a:rPr lang="ko-KR" altLang="en-US" sz="1600"/>
-              <a:t>가격</a:t>
+              <a:t> </a:t>
             </a:r>
             <a:r>
               <a:rPr lang="en-US" altLang="ko-KR" sz="1600"/>
-              <a:t>: ${Items[0].Price:C0}</a:t>
-            </a:r>
-            <a:r>
-              <a:rPr lang="ko-KR" altLang="en-US" sz="1600"/>
-              <a:t>원</a:t>
-            </a:r>
+              <a:t>USD</a:t>
+            </a:r>
+            <a:endParaRPr lang="ko-KR" altLang="en-US" sz="1600"/>
           </a:p>
         </p:txBody>
       </p:sp>
@@ -4274,17 +4275,18 @@
           </a:p>
           <a:p>
             <a:r>
+              <a:rPr lang="en-US" altLang="ko-KR" sz="1600"/>
+              <a:t>Price: ${Items[1].Price:C0}</a:t>
+            </a:r>
+            <a:r>
               <a:rPr lang="ko-KR" altLang="en-US" sz="1600"/>
-              <a:t>가격</a:t>
+              <a:t> </a:t>
             </a:r>
             <a:r>
               <a:rPr lang="en-US" altLang="ko-KR" sz="1600"/>
-              <a:t>: ${Items[1].Price:C0}</a:t>
-            </a:r>
-            <a:r>
-              <a:rPr lang="ko-KR" altLang="en-US" sz="1600"/>
-              <a:t>원</a:t>
-            </a:r>
+              <a:t>USD</a:t>
+            </a:r>
+            <a:endParaRPr lang="ko-KR" altLang="en-US" sz="1600"/>
           </a:p>
         </p:txBody>
       </p:sp>
@@ -4342,17 +4344,18 @@
           </a:p>
           <a:p>
             <a:r>
+              <a:rPr lang="en-US" altLang="ko-KR" sz="1600"/>
+              <a:t>Price: ${Items[2].Price:C0}</a:t>
+            </a:r>
+            <a:r>
               <a:rPr lang="ko-KR" altLang="en-US" sz="1600"/>
-              <a:t>가격</a:t>
+              <a:t> </a:t>
             </a:r>
             <a:r>
               <a:rPr lang="en-US" altLang="ko-KR" sz="1600"/>
-              <a:t>: ${Items[2].Price:C0}</a:t>
-            </a:r>
-            <a:r>
-              <a:rPr lang="ko-KR" altLang="en-US" sz="1600"/>
-              <a:t>원</a:t>
-            </a:r>
+              <a:t>USD</a:t>
+            </a:r>
+            <a:endParaRPr lang="ko-KR" altLang="en-US" sz="1600"/>
           </a:p>
         </p:txBody>
       </p:sp>
@@ -4410,17 +4413,18 @@
           </a:p>
           <a:p>
             <a:r>
+              <a:rPr lang="en-US" altLang="ko-KR" sz="1600"/>
+              <a:t>Price: ${Items[3].Price:C0}</a:t>
+            </a:r>
+            <a:r>
               <a:rPr lang="ko-KR" altLang="en-US" sz="1600"/>
-              <a:t>가격</a:t>
+              <a:t> </a:t>
             </a:r>
             <a:r>
               <a:rPr lang="en-US" altLang="ko-KR" sz="1600"/>
-              <a:t>: ${Items[3].Price:C0}</a:t>
-            </a:r>
-            <a:r>
-              <a:rPr lang="ko-KR" altLang="en-US" sz="1600"/>
-              <a:t>원</a:t>
-            </a:r>
+              <a:t>USD</a:t>
+            </a:r>
+            <a:endParaRPr lang="ko-KR" altLang="en-US" sz="1600"/>
           </a:p>
         </p:txBody>
       </p:sp>
@@ -4478,17 +4482,18 @@
           </a:p>
           <a:p>
             <a:r>
+              <a:rPr lang="en-US" altLang="ko-KR" sz="1600"/>
+              <a:t>Price: ${Items[4].Price:C0}</a:t>
+            </a:r>
+            <a:r>
               <a:rPr lang="ko-KR" altLang="en-US" sz="1600"/>
-              <a:t>가격</a:t>
+              <a:t> </a:t>
             </a:r>
             <a:r>
               <a:rPr lang="en-US" altLang="ko-KR" sz="1600"/>
-              <a:t>: ${Items[4].Price:C0}</a:t>
-            </a:r>
-            <a:r>
-              <a:rPr lang="ko-KR" altLang="en-US" sz="1600"/>
-              <a:t>원</a:t>
-            </a:r>
+              <a:t>USD</a:t>
+            </a:r>
+            <a:endParaRPr lang="ko-KR" altLang="en-US" sz="1600"/>
           </a:p>
         </p:txBody>
       </p:sp>
